--- a/2024-06-26中間報告/中間報告.pptx
+++ b/2024-06-26中間報告/中間報告.pptx
@@ -6,12 +6,13 @@
   </p:sldMasterIdLst>
   <p:sldIdLst>
     <p:sldId id="256" r:id="rId2"/>
-    <p:sldId id="257" r:id="rId3"/>
-    <p:sldId id="261" r:id="rId4"/>
-    <p:sldId id="263" r:id="rId5"/>
-    <p:sldId id="264" r:id="rId6"/>
-    <p:sldId id="258" r:id="rId7"/>
-    <p:sldId id="259" r:id="rId8"/>
+    <p:sldId id="265" r:id="rId3"/>
+    <p:sldId id="257" r:id="rId4"/>
+    <p:sldId id="261" r:id="rId5"/>
+    <p:sldId id="263" r:id="rId6"/>
+    <p:sldId id="264" r:id="rId7"/>
+    <p:sldId id="258" r:id="rId8"/>
+    <p:sldId id="259" r:id="rId9"/>
   </p:sldIdLst>
   <p:sldSz cx="12192000" cy="6858000"/>
   <p:notesSz cx="6858000" cy="9144000"/>
@@ -110,6 +111,11 @@
       </a:defRPr>
     </a:lvl9pPr>
   </p:defaultTextStyle>
+  <p:extLst>
+    <p:ext uri="{EFAFB233-063F-42B5-8137-9DF3F51BA10A}">
+      <p15:sldGuideLst xmlns:p15="http://schemas.microsoft.com/office/powerpoint/2012/main"/>
+    </p:ext>
+  </p:extLst>
 </p:presentation>
 </file>
 
@@ -260,7 +266,7 @@
           <a:p>
             <a:fld id="{02AED078-F828-44B6-A8C9-D9AB4792727D}" type="datetimeFigureOut">
               <a:rPr kumimoji="1" lang="ja-JP" altLang="en-US" smtClean="0"/>
-              <a:t>2024/6/25</a:t>
+              <a:t>2024/6/26</a:t>
             </a:fld>
             <a:endParaRPr kumimoji="1" lang="ja-JP" altLang="en-US"/>
           </a:p>
@@ -490,7 +496,7 @@
           <a:p>
             <a:fld id="{02AED078-F828-44B6-A8C9-D9AB4792727D}" type="datetimeFigureOut">
               <a:rPr kumimoji="1" lang="ja-JP" altLang="en-US" smtClean="0"/>
-              <a:t>2024/6/25</a:t>
+              <a:t>2024/6/26</a:t>
             </a:fld>
             <a:endParaRPr kumimoji="1" lang="ja-JP" altLang="en-US"/>
           </a:p>
@@ -730,7 +736,7 @@
           <a:p>
             <a:fld id="{02AED078-F828-44B6-A8C9-D9AB4792727D}" type="datetimeFigureOut">
               <a:rPr kumimoji="1" lang="ja-JP" altLang="en-US" smtClean="0"/>
-              <a:t>2024/6/25</a:t>
+              <a:t>2024/6/26</a:t>
             </a:fld>
             <a:endParaRPr kumimoji="1" lang="ja-JP" altLang="en-US"/>
           </a:p>
@@ -960,7 +966,7 @@
           <a:p>
             <a:fld id="{02AED078-F828-44B6-A8C9-D9AB4792727D}" type="datetimeFigureOut">
               <a:rPr kumimoji="1" lang="ja-JP" altLang="en-US" smtClean="0"/>
-              <a:t>2024/6/25</a:t>
+              <a:t>2024/6/26</a:t>
             </a:fld>
             <a:endParaRPr kumimoji="1" lang="ja-JP" altLang="en-US"/>
           </a:p>
@@ -1235,7 +1241,7 @@
           <a:p>
             <a:fld id="{02AED078-F828-44B6-A8C9-D9AB4792727D}" type="datetimeFigureOut">
               <a:rPr kumimoji="1" lang="ja-JP" altLang="en-US" smtClean="0"/>
-              <a:t>2024/6/25</a:t>
+              <a:t>2024/6/26</a:t>
             </a:fld>
             <a:endParaRPr kumimoji="1" lang="ja-JP" altLang="en-US"/>
           </a:p>
@@ -1564,7 +1570,7 @@
           <a:p>
             <a:fld id="{02AED078-F828-44B6-A8C9-D9AB4792727D}" type="datetimeFigureOut">
               <a:rPr kumimoji="1" lang="ja-JP" altLang="en-US" smtClean="0"/>
-              <a:t>2024/6/25</a:t>
+              <a:t>2024/6/26</a:t>
             </a:fld>
             <a:endParaRPr kumimoji="1" lang="ja-JP" altLang="en-US"/>
           </a:p>
@@ -2040,7 +2046,7 @@
           <a:p>
             <a:fld id="{02AED078-F828-44B6-A8C9-D9AB4792727D}" type="datetimeFigureOut">
               <a:rPr kumimoji="1" lang="ja-JP" altLang="en-US" smtClean="0"/>
-              <a:t>2024/6/25</a:t>
+              <a:t>2024/6/26</a:t>
             </a:fld>
             <a:endParaRPr kumimoji="1" lang="ja-JP" altLang="en-US"/>
           </a:p>
@@ -2181,7 +2187,7 @@
           <a:p>
             <a:fld id="{02AED078-F828-44B6-A8C9-D9AB4792727D}" type="datetimeFigureOut">
               <a:rPr kumimoji="1" lang="ja-JP" altLang="en-US" smtClean="0"/>
-              <a:t>2024/6/25</a:t>
+              <a:t>2024/6/26</a:t>
             </a:fld>
             <a:endParaRPr kumimoji="1" lang="ja-JP" altLang="en-US"/>
           </a:p>
@@ -2294,7 +2300,7 @@
           <a:p>
             <a:fld id="{02AED078-F828-44B6-A8C9-D9AB4792727D}" type="datetimeFigureOut">
               <a:rPr kumimoji="1" lang="ja-JP" altLang="en-US" smtClean="0"/>
-              <a:t>2024/6/25</a:t>
+              <a:t>2024/6/26</a:t>
             </a:fld>
             <a:endParaRPr kumimoji="1" lang="ja-JP" altLang="en-US"/>
           </a:p>
@@ -2637,7 +2643,7 @@
           <a:p>
             <a:fld id="{02AED078-F828-44B6-A8C9-D9AB4792727D}" type="datetimeFigureOut">
               <a:rPr kumimoji="1" lang="ja-JP" altLang="en-US" smtClean="0"/>
-              <a:t>2024/6/25</a:t>
+              <a:t>2024/6/26</a:t>
             </a:fld>
             <a:endParaRPr kumimoji="1" lang="ja-JP" altLang="en-US"/>
           </a:p>
@@ -2925,7 +2931,7 @@
           <a:p>
             <a:fld id="{02AED078-F828-44B6-A8C9-D9AB4792727D}" type="datetimeFigureOut">
               <a:rPr kumimoji="1" lang="ja-JP" altLang="en-US" smtClean="0"/>
-              <a:t>2024/6/25</a:t>
+              <a:t>2024/6/26</a:t>
             </a:fld>
             <a:endParaRPr kumimoji="1" lang="ja-JP" altLang="en-US"/>
           </a:p>
@@ -3198,7 +3204,7 @@
           <a:p>
             <a:fld id="{02AED078-F828-44B6-A8C9-D9AB4792727D}" type="datetimeFigureOut">
               <a:rPr kumimoji="1" lang="ja-JP" altLang="en-US" smtClean="0"/>
-              <a:t>2024/6/25</a:t>
+              <a:t>2024/6/26</a:t>
             </a:fld>
             <a:endParaRPr kumimoji="1" lang="ja-JP" altLang="en-US"/>
           </a:p>
@@ -3686,6 +3692,75 @@
       </p:grpSpPr>
       <p:pic>
         <p:nvPicPr>
+          <p:cNvPr id="7" name="グラフィックス 6">
+            <a:extLst>
+              <a:ext uri="{FF2B5EF4-FFF2-40B4-BE49-F238E27FC236}">
+                <a16:creationId xmlns:a16="http://schemas.microsoft.com/office/drawing/2014/main" id="{9588DAF1-D4A4-94CD-7D6A-6AD75B22DB00}"/>
+              </a:ext>
+            </a:extLst>
+          </p:cNvPr>
+          <p:cNvPicPr>
+            <a:picLocks noChangeAspect="1"/>
+          </p:cNvPicPr>
+          <p:nvPr/>
+        </p:nvPicPr>
+        <p:blipFill>
+          <a:blip r:embed="rId2">
+            <a:extLst>
+              <a:ext uri="{28A0092B-C50C-407E-A947-70E740481C1C}">
+                <a14:useLocalDpi xmlns:a14="http://schemas.microsoft.com/office/drawing/2010/main" val="0"/>
+              </a:ext>
+              <a:ext uri="{96DAC541-7B7A-43D3-8B79-37D633B846F1}">
+                <asvg:svgBlip xmlns:asvg="http://schemas.microsoft.com/office/drawing/2016/SVG/main" r:embed="rId3"/>
+              </a:ext>
+            </a:extLst>
+          </a:blip>
+          <a:stretch>
+            <a:fillRect/>
+          </a:stretch>
+        </p:blipFill>
+        <p:spPr>
+          <a:xfrm>
+            <a:off x="916461" y="375241"/>
+            <a:ext cx="3334525" cy="6107518"/>
+          </a:xfrm>
+          <a:prstGeom prst="rect">
+            <a:avLst/>
+          </a:prstGeom>
+        </p:spPr>
+      </p:pic>
+    </p:spTree>
+    <p:extLst>
+      <p:ext uri="{BB962C8B-B14F-4D97-AF65-F5344CB8AC3E}">
+        <p14:creationId xmlns:p14="http://schemas.microsoft.com/office/powerpoint/2010/main" val="640674648"/>
+      </p:ext>
+    </p:extLst>
+  </p:cSld>
+  <p:clrMapOvr>
+    <a:masterClrMapping/>
+  </p:clrMapOvr>
+</p:sld>
+</file>
+
+<file path=ppt/slides/slide3.xml><?xml version="1.0" encoding="utf-8"?>
+<p:sld xmlns:a="http://schemas.openxmlformats.org/drawingml/2006/main" xmlns:r="http://schemas.openxmlformats.org/officeDocument/2006/relationships" xmlns:p="http://schemas.openxmlformats.org/presentationml/2006/main">
+  <p:cSld>
+    <p:spTree>
+      <p:nvGrpSpPr>
+        <p:cNvPr id="1" name=""/>
+        <p:cNvGrpSpPr/>
+        <p:nvPr/>
+      </p:nvGrpSpPr>
+      <p:grpSpPr>
+        <a:xfrm>
+          <a:off x="0" y="0"/>
+          <a:ext cx="0" cy="0"/>
+          <a:chOff x="0" y="0"/>
+          <a:chExt cx="0" cy="0"/>
+        </a:xfrm>
+      </p:grpSpPr>
+      <p:pic>
+        <p:nvPicPr>
           <p:cNvPr id="37" name="グラフィックス 36">
             <a:extLst>
               <a:ext uri="{FF2B5EF4-FFF2-40B4-BE49-F238E27FC236}">
@@ -4309,7 +4384,7 @@
 </p:sld>
 </file>
 
-<file path=ppt/slides/slide3.xml><?xml version="1.0" encoding="utf-8"?>
+<file path=ppt/slides/slide4.xml><?xml version="1.0" encoding="utf-8"?>
 <p:sld xmlns:a="http://schemas.openxmlformats.org/drawingml/2006/main" xmlns:r="http://schemas.openxmlformats.org/officeDocument/2006/relationships" xmlns:p="http://schemas.openxmlformats.org/presentationml/2006/main">
   <p:cSld>
     <p:spTree>
@@ -4696,7 +4771,7 @@
 </p:sld>
 </file>
 
-<file path=ppt/slides/slide4.xml><?xml version="1.0" encoding="utf-8"?>
+<file path=ppt/slides/slide5.xml><?xml version="1.0" encoding="utf-8"?>
 <p:sld xmlns:a="http://schemas.openxmlformats.org/drawingml/2006/main" xmlns:r="http://schemas.openxmlformats.org/officeDocument/2006/relationships" xmlns:p="http://schemas.openxmlformats.org/presentationml/2006/main">
   <p:cSld>
     <p:spTree>
@@ -5344,7 +5419,7 @@
 </p:sld>
 </file>
 
-<file path=ppt/slides/slide5.xml><?xml version="1.0" encoding="utf-8"?>
+<file path=ppt/slides/slide6.xml><?xml version="1.0" encoding="utf-8"?>
 <p:sld xmlns:a="http://schemas.openxmlformats.org/drawingml/2006/main" xmlns:r="http://schemas.openxmlformats.org/officeDocument/2006/relationships" xmlns:p="http://schemas.openxmlformats.org/presentationml/2006/main">
   <p:cSld>
     <p:spTree>
@@ -5768,7 +5843,7 @@
 </p:sld>
 </file>
 
-<file path=ppt/slides/slide6.xml><?xml version="1.0" encoding="utf-8"?>
+<file path=ppt/slides/slide7.xml><?xml version="1.0" encoding="utf-8"?>
 <p:sld xmlns:a="http://schemas.openxmlformats.org/drawingml/2006/main" xmlns:r="http://schemas.openxmlformats.org/officeDocument/2006/relationships" xmlns:p="http://schemas.openxmlformats.org/presentationml/2006/main">
   <p:cSld>
     <p:spTree>
@@ -6514,7 +6589,7 @@
 </p:sld>
 </file>
 
-<file path=ppt/slides/slide7.xml><?xml version="1.0" encoding="utf-8"?>
+<file path=ppt/slides/slide8.xml><?xml version="1.0" encoding="utf-8"?>
 <p:sld xmlns:a="http://schemas.openxmlformats.org/drawingml/2006/main" xmlns:r="http://schemas.openxmlformats.org/officeDocument/2006/relationships" xmlns:p="http://schemas.openxmlformats.org/presentationml/2006/main">
   <p:cSld>
     <p:spTree>
